--- a/seIDEPracticeCase/Season01.pptx
+++ b/seIDEPracticeCase/Season01.pptx
@@ -8,8 +8,12 @@
     <p:sldId id="256" r:id="rId2"/>
     <p:sldId id="257" r:id="rId3"/>
     <p:sldId id="258" r:id="rId4"/>
-    <p:sldId id="260" r:id="rId5"/>
-    <p:sldId id="259" r:id="rId6"/>
+    <p:sldId id="264" r:id="rId5"/>
+    <p:sldId id="260" r:id="rId6"/>
+    <p:sldId id="268" r:id="rId7"/>
+    <p:sldId id="259" r:id="rId8"/>
+    <p:sldId id="269" r:id="rId9"/>
+    <p:sldId id="267" r:id="rId10"/>
   </p:sldIdLst>
   <p:sldSz cx="12192000" cy="6858000"/>
   <p:notesSz cx="6858000" cy="9144000"/>
@@ -3241,21 +3245,7 @@
                 <a:latin typeface="微软雅黑" panose="020B0503020204020204" pitchFamily="34" charset="-122"/>
                 <a:ea typeface="微软雅黑" panose="020B0503020204020204" pitchFamily="34" charset="-122"/>
               </a:rPr>
-              <a:t>用自</a:t>
-            </a:r>
-            <a:r>
-              <a:rPr lang="zh-CN" altLang="en-US" sz="3600" b="1" spc="300">
-                <a:latin typeface="微软雅黑" panose="020B0503020204020204" pitchFamily="34" charset="-122"/>
-                <a:ea typeface="微软雅黑" panose="020B0503020204020204" pitchFamily="34" charset="-122"/>
-              </a:rPr>
-              <a:t>动化测</a:t>
-            </a:r>
-            <a:r>
-              <a:rPr lang="zh-CN" altLang="en-US" sz="3600" b="1" spc="300">
-                <a:latin typeface="微软雅黑" panose="020B0503020204020204" pitchFamily="34" charset="-122"/>
-                <a:ea typeface="微软雅黑" panose="020B0503020204020204" pitchFamily="34" charset="-122"/>
-              </a:rPr>
-              <a:t>试</a:t>
+              <a:t>用自动化测试</a:t>
             </a:r>
             <a:endParaRPr lang="en-US" altLang="zh-CN" sz="3600" b="1" spc="300">
               <a:latin typeface="微软雅黑" panose="020B0503020204020204" pitchFamily="34" charset="-122"/>
@@ -3273,21 +3263,7 @@
                 <a:latin typeface="微软雅黑" panose="020B0503020204020204" pitchFamily="34" charset="-122"/>
                 <a:ea typeface="微软雅黑" panose="020B0503020204020204" pitchFamily="34" charset="-122"/>
               </a:rPr>
-              <a:t>综</a:t>
-            </a:r>
-            <a:r>
-              <a:rPr lang="zh-CN" altLang="en-US" sz="3600" b="1" spc="300">
-                <a:latin typeface="微软雅黑" panose="020B0503020204020204" pitchFamily="34" charset="-122"/>
-                <a:ea typeface="微软雅黑" panose="020B0503020204020204" pitchFamily="34" charset="-122"/>
-              </a:rPr>
-              <a:t>合案</a:t>
-            </a:r>
-            <a:r>
-              <a:rPr lang="zh-CN" altLang="en-US" sz="3600" b="1" spc="300">
-                <a:latin typeface="微软雅黑" panose="020B0503020204020204" pitchFamily="34" charset="-122"/>
-                <a:ea typeface="微软雅黑" panose="020B0503020204020204" pitchFamily="34" charset="-122"/>
-              </a:rPr>
-              <a:t>例实战</a:t>
+              <a:t>综合案例实战</a:t>
             </a:r>
             <a:endParaRPr lang="en-US" altLang="zh-CN" sz="3600" b="1" spc="300">
               <a:latin typeface="微软雅黑" panose="020B0503020204020204" pitchFamily="34" charset="-122"/>
@@ -3373,14 +3349,7 @@
                 <a:latin typeface="Times New Roman" panose="02020603050405020304" pitchFamily="18" charset="0"/>
                 <a:cs typeface="Times New Roman" panose="02020603050405020304" pitchFamily="18" charset="0"/>
               </a:rPr>
-              <a:t>Selenium </a:t>
-            </a:r>
-            <a:r>
-              <a:rPr lang="en-US" altLang="zh-CN" sz="6000" b="1" spc="300">
-                <a:latin typeface="Times New Roman" panose="02020603050405020304" pitchFamily="18" charset="0"/>
-                <a:cs typeface="Times New Roman" panose="02020603050405020304" pitchFamily="18" charset="0"/>
-              </a:rPr>
-              <a:t>IDE</a:t>
+              <a:t>Selenium IDE</a:t>
             </a:r>
             <a:endParaRPr lang="zh-CN" altLang="en-US" sz="6000" b="1" spc="300">
               <a:latin typeface="Times New Roman" panose="02020603050405020304" pitchFamily="18" charset="0"/>
@@ -3435,6 +3404,13 @@
   <p:clrMapOvr>
     <a:masterClrMapping/>
   </p:clrMapOvr>
+  <p:timing>
+    <p:tnLst>
+      <p:par>
+        <p:cTn id="1" dur="indefinite" restart="never" nodeType="tmRoot"/>
+      </p:par>
+    </p:tnLst>
+  </p:timing>
 </p:sld>
 </file>
 
@@ -3464,7 +3440,7 @@
         <p:spPr>
           <a:xfrm>
             <a:off x="0" y="0"/>
-            <a:ext cx="3483430" cy="6858000"/>
+            <a:ext cx="2905125" cy="6858000"/>
           </a:xfrm>
           <a:prstGeom prst="rect">
             <a:avLst/>
@@ -3528,7 +3504,7 @@
         </p:blipFill>
         <p:spPr>
           <a:xfrm>
-            <a:off x="768058" y="3694304"/>
+            <a:off x="478905" y="3688748"/>
             <a:ext cx="1947313" cy="1762319"/>
           </a:xfrm>
           <a:prstGeom prst="rect">
@@ -3544,8 +3520,8 @@
         </p:nvSpPr>
         <p:spPr>
           <a:xfrm>
-            <a:off x="4397829" y="798286"/>
-            <a:ext cx="5849257" cy="2601546"/>
+            <a:off x="4083504" y="798286"/>
+            <a:ext cx="5849257" cy="825419"/>
           </a:xfrm>
           <a:prstGeom prst="rect">
             <a:avLst/>
@@ -3564,17 +3540,40 @@
               </a:lnSpc>
             </a:pPr>
             <a:r>
-              <a:rPr lang="zh-CN" altLang="en-US" sz="2800" smtClean="0">
-                <a:latin typeface="微软雅黑" panose="020B0503020204020204" pitchFamily="34" charset="-122"/>
-                <a:ea typeface="微软雅黑" panose="020B0503020204020204" pitchFamily="34" charset="-122"/>
-              </a:rPr>
-              <a:t>前　言</a:t>
-            </a:r>
-            <a:endParaRPr lang="en-US" altLang="zh-CN" sz="2800" smtClean="0">
+              <a:rPr lang="zh-CN" altLang="en-US" sz="3600" b="1" smtClean="0">
+                <a:latin typeface="微软雅黑" panose="020B0503020204020204" pitchFamily="34" charset="-122"/>
+                <a:ea typeface="微软雅黑" panose="020B0503020204020204" pitchFamily="34" charset="-122"/>
+              </a:rPr>
+              <a:t>大　纲</a:t>
+            </a:r>
+            <a:endParaRPr lang="zh-CN" altLang="en-US" sz="3600" b="1">
               <a:latin typeface="微软雅黑" panose="020B0503020204020204" pitchFamily="34" charset="-122"/>
               <a:ea typeface="微软雅黑" panose="020B0503020204020204" pitchFamily="34" charset="-122"/>
             </a:endParaRPr>
           </a:p>
+        </p:txBody>
+      </p:sp>
+      <p:sp>
+        <p:nvSpPr>
+          <p:cNvPr id="8" name="文本框 7"/>
+          <p:cNvSpPr txBox="1"/>
+          <p:nvPr/>
+        </p:nvSpPr>
+        <p:spPr>
+          <a:xfrm>
+            <a:off x="4083504" y="1892252"/>
+            <a:ext cx="5849257" cy="2677656"/>
+          </a:xfrm>
+          <a:prstGeom prst="rect">
+            <a:avLst/>
+          </a:prstGeom>
+          <a:noFill/>
+        </p:spPr>
+        <p:txBody>
+          <a:bodyPr wrap="square" rtlCol="0">
+            <a:spAutoFit/>
+          </a:bodyPr>
+          <a:lstStyle/>
           <a:p>
             <a:pPr>
               <a:lnSpc>
@@ -3586,7 +3585,7 @@
                 <a:latin typeface="微软雅黑" panose="020B0503020204020204" pitchFamily="34" charset="-122"/>
                 <a:ea typeface="微软雅黑" panose="020B0503020204020204" pitchFamily="34" charset="-122"/>
               </a:rPr>
-              <a:t>案例一</a:t>
+              <a:t>前　言</a:t>
             </a:r>
             <a:endParaRPr lang="en-US" altLang="zh-CN" sz="2800" smtClean="0">
               <a:latin typeface="微软雅黑" panose="020B0503020204020204" pitchFamily="34" charset="-122"/>
@@ -3600,18 +3599,32 @@
               </a:lnSpc>
             </a:pPr>
             <a:r>
-              <a:rPr lang="zh-CN" altLang="en-US" sz="2800">
-                <a:latin typeface="微软雅黑" panose="020B0503020204020204" pitchFamily="34" charset="-122"/>
-                <a:ea typeface="微软雅黑" panose="020B0503020204020204" pitchFamily="34" charset="-122"/>
-              </a:rPr>
-              <a:t>案</a:t>
-            </a:r>
-            <a:r>
               <a:rPr lang="zh-CN" altLang="en-US" sz="2800" smtClean="0">
                 <a:latin typeface="微软雅黑" panose="020B0503020204020204" pitchFamily="34" charset="-122"/>
                 <a:ea typeface="微软雅黑" panose="020B0503020204020204" pitchFamily="34" charset="-122"/>
               </a:rPr>
-              <a:t>例二</a:t>
+              <a:t>案例</a:t>
+            </a:r>
+            <a:r>
+              <a:rPr lang="zh-CN" altLang="en-US" sz="2800" smtClean="0">
+                <a:latin typeface="微软雅黑" panose="020B0503020204020204" pitchFamily="34" charset="-122"/>
+                <a:ea typeface="微软雅黑" panose="020B0503020204020204" pitchFamily="34" charset="-122"/>
+              </a:rPr>
+              <a:t>一：</a:t>
+            </a:r>
+            <a:r>
+              <a:rPr lang="en-US" altLang="zh-CN" sz="2800" smtClean="0">
+                <a:latin typeface="微软雅黑" panose="020B0503020204020204" pitchFamily="34" charset="-122"/>
+                <a:ea typeface="微软雅黑" panose="020B0503020204020204" pitchFamily="34" charset="-122"/>
+              </a:rPr>
+              <a:t>DDT </a:t>
+            </a:r>
+            <a:r>
+              <a:rPr lang="zh-CN" altLang="en-US" sz="2800" smtClean="0">
+                <a:latin typeface="微软雅黑" panose="020B0503020204020204" pitchFamily="34" charset="-122"/>
+                <a:ea typeface="微软雅黑" panose="020B0503020204020204" pitchFamily="34" charset="-122"/>
+              </a:rPr>
+              <a:t>数据方案</a:t>
             </a:r>
             <a:endParaRPr lang="en-US" altLang="zh-CN" sz="2800" smtClean="0">
               <a:latin typeface="微软雅黑" panose="020B0503020204020204" pitchFamily="34" charset="-122"/>
@@ -3636,7 +3649,74 @@
                 <a:latin typeface="微软雅黑" panose="020B0503020204020204" pitchFamily="34" charset="-122"/>
                 <a:ea typeface="微软雅黑" panose="020B0503020204020204" pitchFamily="34" charset="-122"/>
               </a:rPr>
-              <a:t>例三</a:t>
+              <a:t>例</a:t>
+            </a:r>
+            <a:r>
+              <a:rPr lang="zh-CN" altLang="en-US" sz="2800" smtClean="0">
+                <a:latin typeface="微软雅黑" panose="020B0503020204020204" pitchFamily="34" charset="-122"/>
+                <a:ea typeface="微软雅黑" panose="020B0503020204020204" pitchFamily="34" charset="-122"/>
+              </a:rPr>
+              <a:t>二：</a:t>
+            </a:r>
+            <a:r>
+              <a:rPr lang="en-US" altLang="zh-CN" sz="2800" smtClean="0">
+                <a:latin typeface="微软雅黑" panose="020B0503020204020204" pitchFamily="34" charset="-122"/>
+                <a:ea typeface="微软雅黑" panose="020B0503020204020204" pitchFamily="34" charset="-122"/>
+              </a:rPr>
+              <a:t>ProcessOn </a:t>
+            </a:r>
+            <a:r>
+              <a:rPr lang="zh-CN" altLang="en-US" sz="2800" smtClean="0">
+                <a:latin typeface="微软雅黑" panose="020B0503020204020204" pitchFamily="34" charset="-122"/>
+                <a:ea typeface="微软雅黑" panose="020B0503020204020204" pitchFamily="34" charset="-122"/>
+              </a:rPr>
+              <a:t>网站</a:t>
+            </a:r>
+            <a:endParaRPr lang="en-US" altLang="zh-CN" sz="2800" smtClean="0">
+              <a:latin typeface="微软雅黑" panose="020B0503020204020204" pitchFamily="34" charset="-122"/>
+              <a:ea typeface="微软雅黑" panose="020B0503020204020204" pitchFamily="34" charset="-122"/>
+            </a:endParaRPr>
+          </a:p>
+          <a:p>
+            <a:pPr>
+              <a:lnSpc>
+                <a:spcPct val="150000"/>
+              </a:lnSpc>
+            </a:pPr>
+            <a:r>
+              <a:rPr lang="zh-CN" altLang="en-US" sz="2800">
+                <a:latin typeface="微软雅黑" panose="020B0503020204020204" pitchFamily="34" charset="-122"/>
+                <a:ea typeface="微软雅黑" panose="020B0503020204020204" pitchFamily="34" charset="-122"/>
+              </a:rPr>
+              <a:t>案</a:t>
+            </a:r>
+            <a:r>
+              <a:rPr lang="zh-CN" altLang="en-US" sz="2800" smtClean="0">
+                <a:latin typeface="微软雅黑" panose="020B0503020204020204" pitchFamily="34" charset="-122"/>
+                <a:ea typeface="微软雅黑" panose="020B0503020204020204" pitchFamily="34" charset="-122"/>
+              </a:rPr>
+              <a:t>例</a:t>
+            </a:r>
+            <a:r>
+              <a:rPr lang="zh-CN" altLang="en-US" sz="2800" smtClean="0">
+                <a:latin typeface="微软雅黑" panose="020B0503020204020204" pitchFamily="34" charset="-122"/>
+                <a:ea typeface="微软雅黑" panose="020B0503020204020204" pitchFamily="34" charset="-122"/>
+              </a:rPr>
+              <a:t>三：</a:t>
+            </a:r>
+            <a:r>
+              <a:rPr lang="en-US" altLang="zh-CN" sz="2800" smtClean="0">
+                <a:latin typeface="微软雅黑" panose="020B0503020204020204" pitchFamily="34" charset="-122"/>
+                <a:ea typeface="微软雅黑" panose="020B0503020204020204" pitchFamily="34" charset="-122"/>
+              </a:rPr>
+              <a:t>913abc </a:t>
+            </a:r>
+            <a:r>
+              <a:rPr lang="zh-CN" altLang="en-US" sz="2800" smtClean="0">
+                <a:latin typeface="微软雅黑" panose="020B0503020204020204" pitchFamily="34" charset="-122"/>
+                <a:ea typeface="微软雅黑" panose="020B0503020204020204" pitchFamily="34" charset="-122"/>
+              </a:rPr>
+              <a:t>网站</a:t>
             </a:r>
             <a:endParaRPr lang="zh-CN" altLang="en-US" sz="2800">
               <a:latin typeface="微软雅黑" panose="020B0503020204020204" pitchFamily="34" charset="-122"/>
@@ -3655,6 +3735,13 @@
   <p:clrMapOvr>
     <a:masterClrMapping/>
   </p:clrMapOvr>
+  <p:timing>
+    <p:tnLst>
+      <p:par>
+        <p:cTn id="1" dur="indefinite" restart="never" nodeType="tmRoot"/>
+      </p:par>
+    </p:tnLst>
+  </p:timing>
 </p:sld>
 </file>
 
@@ -3725,7 +3812,7 @@
         <p:spPr>
           <a:xfrm>
             <a:off x="0" y="2474686"/>
-            <a:ext cx="12191999" cy="1558568"/>
+            <a:ext cx="12191999" cy="1314206"/>
           </a:xfrm>
           <a:prstGeom prst="rect">
             <a:avLst/>
@@ -3737,7 +3824,7 @@
           </a:solidFill>
         </p:spPr>
         <p:txBody>
-          <a:bodyPr wrap="square" rtlCol="0">
+          <a:bodyPr wrap="square" rtlCol="0" anchor="ctr">
             <a:spAutoFit/>
           </a:bodyPr>
           <a:lstStyle/>
@@ -3748,27 +3835,49 @@
               </a:lnSpc>
             </a:pPr>
             <a:r>
-              <a:rPr lang="zh-CN" altLang="en-US" sz="7200" b="1">
-                <a:latin typeface="微软雅黑" panose="020B0503020204020204" pitchFamily="34" charset="-122"/>
-                <a:ea typeface="微软雅黑" panose="020B0503020204020204" pitchFamily="34" charset="-122"/>
-              </a:rPr>
-              <a:t>综合</a:t>
-            </a:r>
-            <a:r>
-              <a:rPr lang="zh-CN" altLang="en-US" sz="7200" b="1">
+              <a:rPr lang="zh-CN" altLang="en-US" sz="6000" b="1">
+                <a:solidFill>
+                  <a:srgbClr val="002060"/>
+                </a:solidFill>
                 <a:latin typeface="微软雅黑" panose="020B0503020204020204" pitchFamily="34" charset="-122"/>
                 <a:ea typeface="微软雅黑" panose="020B0503020204020204" pitchFamily="34" charset="-122"/>
               </a:rPr>
               <a:t>案</a:t>
             </a:r>
             <a:r>
-              <a:rPr lang="zh-CN" altLang="en-US" sz="7200" b="1" smtClean="0">
-                <a:latin typeface="微软雅黑" panose="020B0503020204020204" pitchFamily="34" charset="-122"/>
-                <a:ea typeface="微软雅黑" panose="020B0503020204020204" pitchFamily="34" charset="-122"/>
-              </a:rPr>
-              <a:t>例实训</a:t>
-            </a:r>
-            <a:endParaRPr lang="en-US" altLang="zh-CN" sz="7200" b="1" smtClean="0">
+              <a:rPr lang="zh-CN" altLang="en-US" sz="6000" b="1" smtClean="0">
+                <a:solidFill>
+                  <a:srgbClr val="002060"/>
+                </a:solidFill>
+                <a:latin typeface="微软雅黑" panose="020B0503020204020204" pitchFamily="34" charset="-122"/>
+                <a:ea typeface="微软雅黑" panose="020B0503020204020204" pitchFamily="34" charset="-122"/>
+              </a:rPr>
+              <a:t>例一：</a:t>
+            </a:r>
+            <a:r>
+              <a:rPr lang="en-US" altLang="zh-CN" sz="6000" b="1" smtClean="0">
+                <a:solidFill>
+                  <a:srgbClr val="002060"/>
+                </a:solidFill>
+                <a:latin typeface="微软雅黑" panose="020B0503020204020204" pitchFamily="34" charset="-122"/>
+                <a:ea typeface="微软雅黑" panose="020B0503020204020204" pitchFamily="34" charset="-122"/>
+              </a:rPr>
+              <a:t>DDT</a:t>
+            </a:r>
+            <a:r>
+              <a:rPr lang="zh-CN" altLang="en-US" sz="6000" b="1" smtClean="0">
+                <a:solidFill>
+                  <a:srgbClr val="002060"/>
+                </a:solidFill>
+                <a:latin typeface="微软雅黑" panose="020B0503020204020204" pitchFamily="34" charset="-122"/>
+                <a:ea typeface="微软雅黑" panose="020B0503020204020204" pitchFamily="34" charset="-122"/>
+              </a:rPr>
+              <a:t> 数据方案</a:t>
+            </a:r>
+            <a:endParaRPr lang="en-US" altLang="zh-CN" sz="6000" b="1" smtClean="0">
+              <a:solidFill>
+                <a:srgbClr val="002060"/>
+              </a:solidFill>
               <a:latin typeface="微软雅黑" panose="020B0503020204020204" pitchFamily="34" charset="-122"/>
               <a:ea typeface="微软雅黑" panose="020B0503020204020204" pitchFamily="34" charset="-122"/>
             </a:endParaRPr>
@@ -3785,10 +3894,313 @@
   <p:clrMapOvr>
     <a:masterClrMapping/>
   </p:clrMapOvr>
+  <p:timing>
+    <p:tnLst>
+      <p:par>
+        <p:cTn id="1" dur="indefinite" restart="never" nodeType="tmRoot"/>
+      </p:par>
+    </p:tnLst>
+  </p:timing>
 </p:sld>
 </file>
 
 <file path=ppt/slides/slide4.xml><?xml version="1.0" encoding="utf-8"?>
+<p:sld xmlns:a="http://schemas.openxmlformats.org/drawingml/2006/main" xmlns:r="http://schemas.openxmlformats.org/officeDocument/2006/relationships" xmlns:p="http://schemas.openxmlformats.org/presentationml/2006/main">
+  <p:cSld>
+    <p:spTree>
+      <p:nvGrpSpPr>
+        <p:cNvPr id="1" name=""/>
+        <p:cNvGrpSpPr/>
+        <p:nvPr/>
+      </p:nvGrpSpPr>
+      <p:grpSpPr>
+        <a:xfrm>
+          <a:off x="0" y="0"/>
+          <a:ext cx="0" cy="0"/>
+          <a:chOff x="0" y="0"/>
+          <a:chExt cx="0" cy="0"/>
+        </a:xfrm>
+      </p:grpSpPr>
+      <p:sp>
+        <p:nvSpPr>
+          <p:cNvPr id="5" name="矩形 4"/>
+          <p:cNvSpPr/>
+          <p:nvPr/>
+        </p:nvSpPr>
+        <p:spPr>
+          <a:xfrm>
+            <a:off x="0" y="0"/>
+            <a:ext cx="2905125" cy="6858000"/>
+          </a:xfrm>
+          <a:prstGeom prst="rect">
+            <a:avLst/>
+          </a:prstGeom>
+          <a:pattFill prst="pct75">
+            <a:fgClr>
+              <a:srgbClr val="8ABC1D"/>
+            </a:fgClr>
+            <a:bgClr>
+              <a:schemeClr val="bg1"/>
+            </a:bgClr>
+          </a:pattFill>
+          <a:ln>
+            <a:noFill/>
+          </a:ln>
+        </p:spPr>
+        <p:style>
+          <a:lnRef idx="2">
+            <a:schemeClr val="accent1">
+              <a:shade val="50000"/>
+            </a:schemeClr>
+          </a:lnRef>
+          <a:fillRef idx="1">
+            <a:schemeClr val="accent1"/>
+          </a:fillRef>
+          <a:effectRef idx="0">
+            <a:schemeClr val="accent1"/>
+          </a:effectRef>
+          <a:fontRef idx="minor">
+            <a:schemeClr val="lt1"/>
+          </a:fontRef>
+        </p:style>
+        <p:txBody>
+          <a:bodyPr rtlCol="0" anchor="ctr"/>
+          <a:lstStyle/>
+          <a:p>
+            <a:pPr algn="ctr"/>
+            <a:endParaRPr lang="zh-CN" altLang="en-US"/>
+          </a:p>
+        </p:txBody>
+      </p:sp>
+      <p:pic>
+        <p:nvPicPr>
+          <p:cNvPr id="6" name="图片 5"/>
+          <p:cNvPicPr>
+            <a:picLocks noChangeAspect="1"/>
+          </p:cNvPicPr>
+          <p:nvPr/>
+        </p:nvPicPr>
+        <p:blipFill>
+          <a:blip r:embed="rId2">
+            <a:extLst>
+              <a:ext uri="{28A0092B-C50C-407E-A947-70E740481C1C}">
+                <a14:useLocalDpi xmlns:a14="http://schemas.microsoft.com/office/drawing/2010/main" val="0"/>
+              </a:ext>
+            </a:extLst>
+          </a:blip>
+          <a:stretch>
+            <a:fillRect/>
+          </a:stretch>
+        </p:blipFill>
+        <p:spPr>
+          <a:xfrm>
+            <a:off x="478905" y="3688748"/>
+            <a:ext cx="1947313" cy="1762319"/>
+          </a:xfrm>
+          <a:prstGeom prst="rect">
+            <a:avLst/>
+          </a:prstGeom>
+        </p:spPr>
+      </p:pic>
+      <p:sp>
+        <p:nvSpPr>
+          <p:cNvPr id="7" name="文本框 6"/>
+          <p:cNvSpPr txBox="1"/>
+          <p:nvPr/>
+        </p:nvSpPr>
+        <p:spPr>
+          <a:xfrm>
+            <a:off x="4083504" y="798286"/>
+            <a:ext cx="5849257" cy="923330"/>
+          </a:xfrm>
+          <a:prstGeom prst="rect">
+            <a:avLst/>
+          </a:prstGeom>
+          <a:noFill/>
+        </p:spPr>
+        <p:txBody>
+          <a:bodyPr wrap="square" rtlCol="0">
+            <a:spAutoFit/>
+          </a:bodyPr>
+          <a:lstStyle/>
+          <a:p>
+            <a:pPr>
+              <a:lnSpc>
+                <a:spcPct val="150000"/>
+              </a:lnSpc>
+            </a:pPr>
+            <a:r>
+              <a:rPr lang="zh-CN" altLang="en-US" sz="3600" b="1" smtClean="0">
+                <a:latin typeface="微软雅黑" panose="020B0503020204020204" pitchFamily="34" charset="-122"/>
+                <a:ea typeface="微软雅黑" panose="020B0503020204020204" pitchFamily="34" charset="-122"/>
+              </a:rPr>
+              <a:t>案例一：</a:t>
+            </a:r>
+            <a:r>
+              <a:rPr lang="en-US" altLang="zh-CN" sz="3600" b="1" smtClean="0">
+                <a:latin typeface="微软雅黑" panose="020B0503020204020204" pitchFamily="34" charset="-122"/>
+                <a:ea typeface="微软雅黑" panose="020B0503020204020204" pitchFamily="34" charset="-122"/>
+              </a:rPr>
+              <a:t>DDT </a:t>
+            </a:r>
+            <a:r>
+              <a:rPr lang="zh-CN" altLang="en-US" sz="3600" b="1" smtClean="0">
+                <a:latin typeface="微软雅黑" panose="020B0503020204020204" pitchFamily="34" charset="-122"/>
+                <a:ea typeface="微软雅黑" panose="020B0503020204020204" pitchFamily="34" charset="-122"/>
+              </a:rPr>
+              <a:t>数据方案</a:t>
+            </a:r>
+            <a:endParaRPr lang="zh-CN" altLang="en-US" sz="3600" b="1">
+              <a:latin typeface="微软雅黑" panose="020B0503020204020204" pitchFamily="34" charset="-122"/>
+              <a:ea typeface="微软雅黑" panose="020B0503020204020204" pitchFamily="34" charset="-122"/>
+            </a:endParaRPr>
+          </a:p>
+        </p:txBody>
+      </p:sp>
+      <p:sp>
+        <p:nvSpPr>
+          <p:cNvPr id="8" name="文本框 7"/>
+          <p:cNvSpPr txBox="1"/>
+          <p:nvPr/>
+        </p:nvSpPr>
+        <p:spPr>
+          <a:xfrm>
+            <a:off x="4083504" y="2501852"/>
+            <a:ext cx="5849257" cy="2677656"/>
+          </a:xfrm>
+          <a:prstGeom prst="rect">
+            <a:avLst/>
+          </a:prstGeom>
+          <a:noFill/>
+        </p:spPr>
+        <p:txBody>
+          <a:bodyPr wrap="square" rtlCol="0">
+            <a:spAutoFit/>
+          </a:bodyPr>
+          <a:lstStyle/>
+          <a:p>
+            <a:pPr>
+              <a:lnSpc>
+                <a:spcPct val="150000"/>
+              </a:lnSpc>
+            </a:pPr>
+            <a:r>
+              <a:rPr lang="en-US" altLang="zh-CN" sz="2800" smtClean="0">
+                <a:latin typeface="微软雅黑" panose="020B0503020204020204" pitchFamily="34" charset="-122"/>
+                <a:ea typeface="微软雅黑" panose="020B0503020204020204" pitchFamily="34" charset="-122"/>
+              </a:rPr>
+              <a:t>- </a:t>
+            </a:r>
+            <a:r>
+              <a:rPr lang="zh-CN" altLang="en-US" sz="2800" smtClean="0">
+                <a:latin typeface="微软雅黑" panose="020B0503020204020204" pitchFamily="34" charset="-122"/>
+                <a:ea typeface="微软雅黑" panose="020B0503020204020204" pitchFamily="34" charset="-122"/>
+              </a:rPr>
+              <a:t>问题缘起</a:t>
+            </a:r>
+            <a:endParaRPr lang="en-US" altLang="zh-CN" sz="2800" smtClean="0">
+              <a:latin typeface="微软雅黑" panose="020B0503020204020204" pitchFamily="34" charset="-122"/>
+              <a:ea typeface="微软雅黑" panose="020B0503020204020204" pitchFamily="34" charset="-122"/>
+            </a:endParaRPr>
+          </a:p>
+          <a:p>
+            <a:pPr>
+              <a:lnSpc>
+                <a:spcPct val="150000"/>
+              </a:lnSpc>
+            </a:pPr>
+            <a:r>
+              <a:rPr lang="en-US" altLang="zh-CN" sz="2800" smtClean="0">
+                <a:latin typeface="微软雅黑" panose="020B0503020204020204" pitchFamily="34" charset="-122"/>
+                <a:ea typeface="微软雅黑" panose="020B0503020204020204" pitchFamily="34" charset="-122"/>
+              </a:rPr>
+              <a:t>- </a:t>
+            </a:r>
+            <a:r>
+              <a:rPr lang="zh-CN" altLang="en-US" sz="2800" smtClean="0">
+                <a:latin typeface="微软雅黑" panose="020B0503020204020204" pitchFamily="34" charset="-122"/>
+                <a:ea typeface="微软雅黑" panose="020B0503020204020204" pitchFamily="34" charset="-122"/>
+              </a:rPr>
+              <a:t>分析问题</a:t>
+            </a:r>
+            <a:endParaRPr lang="en-US" altLang="zh-CN" sz="2800" smtClean="0">
+              <a:latin typeface="微软雅黑" panose="020B0503020204020204" pitchFamily="34" charset="-122"/>
+              <a:ea typeface="微软雅黑" panose="020B0503020204020204" pitchFamily="34" charset="-122"/>
+            </a:endParaRPr>
+          </a:p>
+          <a:p>
+            <a:pPr>
+              <a:lnSpc>
+                <a:spcPct val="150000"/>
+              </a:lnSpc>
+            </a:pPr>
+            <a:r>
+              <a:rPr lang="en-US" altLang="zh-CN" sz="2800" smtClean="0">
+                <a:latin typeface="微软雅黑" panose="020B0503020204020204" pitchFamily="34" charset="-122"/>
+                <a:ea typeface="微软雅黑" panose="020B0503020204020204" pitchFamily="34" charset="-122"/>
+              </a:rPr>
+              <a:t>- </a:t>
+            </a:r>
+            <a:r>
+              <a:rPr lang="zh-CN" altLang="en-US" sz="2800" smtClean="0">
+                <a:latin typeface="微软雅黑" panose="020B0503020204020204" pitchFamily="34" charset="-122"/>
+                <a:ea typeface="微软雅黑" panose="020B0503020204020204" pitchFamily="34" charset="-122"/>
+              </a:rPr>
+              <a:t>解决方案</a:t>
+            </a:r>
+            <a:endParaRPr lang="en-US" altLang="zh-CN" sz="2800" smtClean="0">
+              <a:latin typeface="微软雅黑" panose="020B0503020204020204" pitchFamily="34" charset="-122"/>
+              <a:ea typeface="微软雅黑" panose="020B0503020204020204" pitchFamily="34" charset="-122"/>
+            </a:endParaRPr>
+          </a:p>
+          <a:p>
+            <a:pPr>
+              <a:lnSpc>
+                <a:spcPct val="150000"/>
+              </a:lnSpc>
+            </a:pPr>
+            <a:r>
+              <a:rPr lang="en-US" altLang="zh-CN" sz="2800" smtClean="0">
+                <a:latin typeface="微软雅黑" panose="020B0503020204020204" pitchFamily="34" charset="-122"/>
+                <a:ea typeface="微软雅黑" panose="020B0503020204020204" pitchFamily="34" charset="-122"/>
+              </a:rPr>
+              <a:t>- </a:t>
+            </a:r>
+            <a:r>
+              <a:rPr lang="zh-CN" altLang="en-US" sz="2800" smtClean="0">
+                <a:latin typeface="微软雅黑" panose="020B0503020204020204" pitchFamily="34" charset="-122"/>
+                <a:ea typeface="微软雅黑" panose="020B0503020204020204" pitchFamily="34" charset="-122"/>
+              </a:rPr>
+              <a:t>实现过程</a:t>
+            </a:r>
+            <a:endParaRPr lang="zh-CN" altLang="en-US" sz="2800">
+              <a:latin typeface="微软雅黑" panose="020B0503020204020204" pitchFamily="34" charset="-122"/>
+              <a:ea typeface="微软雅黑" panose="020B0503020204020204" pitchFamily="34" charset="-122"/>
+            </a:endParaRPr>
+          </a:p>
+        </p:txBody>
+      </p:sp>
+    </p:spTree>
+    <p:extLst>
+      <p:ext uri="{BB962C8B-B14F-4D97-AF65-F5344CB8AC3E}">
+        <p14:creationId xmlns:p14="http://schemas.microsoft.com/office/powerpoint/2010/main" val="2099126996"/>
+      </p:ext>
+    </p:extLst>
+  </p:cSld>
+  <p:clrMapOvr>
+    <a:masterClrMapping/>
+  </p:clrMapOvr>
+  <p:timing>
+    <p:tnLst>
+      <p:par>
+        <p:cTn id="1" dur="indefinite" restart="never" nodeType="tmRoot"/>
+      </p:par>
+    </p:tnLst>
+  </p:timing>
+</p:sld>
+</file>
+
+<file path=ppt/slides/slide5.xml><?xml version="1.0" encoding="utf-8"?>
 <p:sld xmlns:a="http://schemas.openxmlformats.org/drawingml/2006/main" xmlns:r="http://schemas.openxmlformats.org/officeDocument/2006/relationships" xmlns:p="http://schemas.openxmlformats.org/presentationml/2006/main">
   <p:cSld>
     <p:spTree>
@@ -3846,6 +4258,87 @@
           </a:extLst>
         </p:spPr>
       </p:pic>
+      <p:sp>
+        <p:nvSpPr>
+          <p:cNvPr id="3" name="文本框 2"/>
+          <p:cNvSpPr txBox="1"/>
+          <p:nvPr/>
+        </p:nvSpPr>
+        <p:spPr>
+          <a:xfrm>
+            <a:off x="0" y="2474686"/>
+            <a:ext cx="12191999" cy="1314206"/>
+          </a:xfrm>
+          <a:prstGeom prst="rect">
+            <a:avLst/>
+          </a:prstGeom>
+          <a:solidFill>
+            <a:schemeClr val="bg1">
+              <a:alpha val="30000"/>
+            </a:schemeClr>
+          </a:solidFill>
+        </p:spPr>
+        <p:txBody>
+          <a:bodyPr wrap="square" rtlCol="0" anchor="ctr">
+            <a:spAutoFit/>
+          </a:bodyPr>
+          <a:lstStyle/>
+          <a:p>
+            <a:pPr algn="ctr">
+              <a:lnSpc>
+                <a:spcPct val="150000"/>
+              </a:lnSpc>
+            </a:pPr>
+            <a:r>
+              <a:rPr lang="zh-CN" altLang="en-US" sz="6000" b="1">
+                <a:solidFill>
+                  <a:srgbClr val="C00000"/>
+                </a:solidFill>
+                <a:latin typeface="微软雅黑" panose="020B0503020204020204" pitchFamily="34" charset="-122"/>
+                <a:ea typeface="微软雅黑" panose="020B0503020204020204" pitchFamily="34" charset="-122"/>
+              </a:rPr>
+              <a:t>案</a:t>
+            </a:r>
+            <a:r>
+              <a:rPr lang="zh-CN" altLang="en-US" sz="6000" b="1" smtClean="0">
+                <a:solidFill>
+                  <a:srgbClr val="C00000"/>
+                </a:solidFill>
+                <a:latin typeface="微软雅黑" panose="020B0503020204020204" pitchFamily="34" charset="-122"/>
+                <a:ea typeface="微软雅黑" panose="020B0503020204020204" pitchFamily="34" charset="-122"/>
+              </a:rPr>
+              <a:t>例二：</a:t>
+            </a:r>
+            <a:r>
+              <a:rPr lang="en-US" altLang="zh-CN" sz="6000" b="1" smtClean="0">
+                <a:solidFill>
+                  <a:srgbClr val="C00000"/>
+                </a:solidFill>
+                <a:latin typeface="微软雅黑" panose="020B0503020204020204" pitchFamily="34" charset="-122"/>
+                <a:ea typeface="微软雅黑" panose="020B0503020204020204" pitchFamily="34" charset="-122"/>
+              </a:rPr>
+              <a:t>ProcessOn</a:t>
+            </a:r>
+            <a:r>
+              <a:rPr lang="zh-CN" altLang="en-US" sz="6000" b="1" smtClean="0">
+                <a:solidFill>
+                  <a:srgbClr val="C00000"/>
+                </a:solidFill>
+                <a:latin typeface="微软雅黑" panose="020B0503020204020204" pitchFamily="34" charset="-122"/>
+                <a:ea typeface="微软雅黑" panose="020B0503020204020204" pitchFamily="34" charset="-122"/>
+              </a:rPr>
+              <a:t> 网站</a:t>
+            </a:r>
+            <a:endParaRPr lang="en-US" altLang="zh-CN" sz="6000" b="1" smtClean="0">
+              <a:solidFill>
+                <a:srgbClr val="C00000"/>
+              </a:solidFill>
+              <a:latin typeface="微软雅黑" panose="020B0503020204020204" pitchFamily="34" charset="-122"/>
+              <a:ea typeface="微软雅黑" panose="020B0503020204020204" pitchFamily="34" charset="-122"/>
+            </a:endParaRPr>
+          </a:p>
+        </p:txBody>
+      </p:sp>
     </p:spTree>
     <p:extLst>
       <p:ext uri="{BB962C8B-B14F-4D97-AF65-F5344CB8AC3E}">
@@ -3856,10 +4349,313 @@
   <p:clrMapOvr>
     <a:masterClrMapping/>
   </p:clrMapOvr>
+  <p:timing>
+    <p:tnLst>
+      <p:par>
+        <p:cTn id="1" dur="indefinite" restart="never" nodeType="tmRoot"/>
+      </p:par>
+    </p:tnLst>
+  </p:timing>
 </p:sld>
 </file>
 
-<file path=ppt/slides/slide5.xml><?xml version="1.0" encoding="utf-8"?>
+<file path=ppt/slides/slide6.xml><?xml version="1.0" encoding="utf-8"?>
+<p:sld xmlns:a="http://schemas.openxmlformats.org/drawingml/2006/main" xmlns:r="http://schemas.openxmlformats.org/officeDocument/2006/relationships" xmlns:p="http://schemas.openxmlformats.org/presentationml/2006/main">
+  <p:cSld>
+    <p:spTree>
+      <p:nvGrpSpPr>
+        <p:cNvPr id="1" name=""/>
+        <p:cNvGrpSpPr/>
+        <p:nvPr/>
+      </p:nvGrpSpPr>
+      <p:grpSpPr>
+        <a:xfrm>
+          <a:off x="0" y="0"/>
+          <a:ext cx="0" cy="0"/>
+          <a:chOff x="0" y="0"/>
+          <a:chExt cx="0" cy="0"/>
+        </a:xfrm>
+      </p:grpSpPr>
+      <p:sp>
+        <p:nvSpPr>
+          <p:cNvPr id="5" name="矩形 4"/>
+          <p:cNvSpPr/>
+          <p:nvPr/>
+        </p:nvSpPr>
+        <p:spPr>
+          <a:xfrm>
+            <a:off x="0" y="0"/>
+            <a:ext cx="2905125" cy="6858000"/>
+          </a:xfrm>
+          <a:prstGeom prst="rect">
+            <a:avLst/>
+          </a:prstGeom>
+          <a:pattFill prst="pct75">
+            <a:fgClr>
+              <a:srgbClr val="8ABC1D"/>
+            </a:fgClr>
+            <a:bgClr>
+              <a:schemeClr val="bg1"/>
+            </a:bgClr>
+          </a:pattFill>
+          <a:ln>
+            <a:noFill/>
+          </a:ln>
+        </p:spPr>
+        <p:style>
+          <a:lnRef idx="2">
+            <a:schemeClr val="accent1">
+              <a:shade val="50000"/>
+            </a:schemeClr>
+          </a:lnRef>
+          <a:fillRef idx="1">
+            <a:schemeClr val="accent1"/>
+          </a:fillRef>
+          <a:effectRef idx="0">
+            <a:schemeClr val="accent1"/>
+          </a:effectRef>
+          <a:fontRef idx="minor">
+            <a:schemeClr val="lt1"/>
+          </a:fontRef>
+        </p:style>
+        <p:txBody>
+          <a:bodyPr rtlCol="0" anchor="ctr"/>
+          <a:lstStyle/>
+          <a:p>
+            <a:pPr algn="ctr"/>
+            <a:endParaRPr lang="zh-CN" altLang="en-US"/>
+          </a:p>
+        </p:txBody>
+      </p:sp>
+      <p:pic>
+        <p:nvPicPr>
+          <p:cNvPr id="6" name="图片 5"/>
+          <p:cNvPicPr>
+            <a:picLocks noChangeAspect="1"/>
+          </p:cNvPicPr>
+          <p:nvPr/>
+        </p:nvPicPr>
+        <p:blipFill>
+          <a:blip r:embed="rId2">
+            <a:extLst>
+              <a:ext uri="{28A0092B-C50C-407E-A947-70E740481C1C}">
+                <a14:useLocalDpi xmlns:a14="http://schemas.microsoft.com/office/drawing/2010/main" val="0"/>
+              </a:ext>
+            </a:extLst>
+          </a:blip>
+          <a:stretch>
+            <a:fillRect/>
+          </a:stretch>
+        </p:blipFill>
+        <p:spPr>
+          <a:xfrm>
+            <a:off x="478905" y="3688748"/>
+            <a:ext cx="1947313" cy="1762319"/>
+          </a:xfrm>
+          <a:prstGeom prst="rect">
+            <a:avLst/>
+          </a:prstGeom>
+        </p:spPr>
+      </p:pic>
+      <p:sp>
+        <p:nvSpPr>
+          <p:cNvPr id="7" name="文本框 6"/>
+          <p:cNvSpPr txBox="1"/>
+          <p:nvPr/>
+        </p:nvSpPr>
+        <p:spPr>
+          <a:xfrm>
+            <a:off x="4083504" y="798286"/>
+            <a:ext cx="5849257" cy="923330"/>
+          </a:xfrm>
+          <a:prstGeom prst="rect">
+            <a:avLst/>
+          </a:prstGeom>
+          <a:noFill/>
+        </p:spPr>
+        <p:txBody>
+          <a:bodyPr wrap="square" rtlCol="0">
+            <a:spAutoFit/>
+          </a:bodyPr>
+          <a:lstStyle/>
+          <a:p>
+            <a:pPr>
+              <a:lnSpc>
+                <a:spcPct val="150000"/>
+              </a:lnSpc>
+            </a:pPr>
+            <a:r>
+              <a:rPr lang="zh-CN" altLang="en-US" sz="3600" b="1" smtClean="0">
+                <a:latin typeface="微软雅黑" panose="020B0503020204020204" pitchFamily="34" charset="-122"/>
+                <a:ea typeface="微软雅黑" panose="020B0503020204020204" pitchFamily="34" charset="-122"/>
+              </a:rPr>
+              <a:t>案例二：</a:t>
+            </a:r>
+            <a:r>
+              <a:rPr lang="en-US" altLang="zh-CN" sz="3600" b="1" smtClean="0">
+                <a:latin typeface="微软雅黑" panose="020B0503020204020204" pitchFamily="34" charset="-122"/>
+                <a:ea typeface="微软雅黑" panose="020B0503020204020204" pitchFamily="34" charset="-122"/>
+              </a:rPr>
+              <a:t>ProcessOn </a:t>
+            </a:r>
+            <a:r>
+              <a:rPr lang="zh-CN" altLang="en-US" sz="3600" b="1" smtClean="0">
+                <a:latin typeface="微软雅黑" panose="020B0503020204020204" pitchFamily="34" charset="-122"/>
+                <a:ea typeface="微软雅黑" panose="020B0503020204020204" pitchFamily="34" charset="-122"/>
+              </a:rPr>
+              <a:t>网站</a:t>
+            </a:r>
+            <a:endParaRPr lang="zh-CN" altLang="en-US" sz="3600" b="1">
+              <a:latin typeface="微软雅黑" panose="020B0503020204020204" pitchFamily="34" charset="-122"/>
+              <a:ea typeface="微软雅黑" panose="020B0503020204020204" pitchFamily="34" charset="-122"/>
+            </a:endParaRPr>
+          </a:p>
+        </p:txBody>
+      </p:sp>
+      <p:sp>
+        <p:nvSpPr>
+          <p:cNvPr id="8" name="文本框 7"/>
+          <p:cNvSpPr txBox="1"/>
+          <p:nvPr/>
+        </p:nvSpPr>
+        <p:spPr>
+          <a:xfrm>
+            <a:off x="4083504" y="2501852"/>
+            <a:ext cx="5849257" cy="2677656"/>
+          </a:xfrm>
+          <a:prstGeom prst="rect">
+            <a:avLst/>
+          </a:prstGeom>
+          <a:noFill/>
+        </p:spPr>
+        <p:txBody>
+          <a:bodyPr wrap="square" rtlCol="0">
+            <a:spAutoFit/>
+          </a:bodyPr>
+          <a:lstStyle/>
+          <a:p>
+            <a:pPr>
+              <a:lnSpc>
+                <a:spcPct val="150000"/>
+              </a:lnSpc>
+            </a:pPr>
+            <a:r>
+              <a:rPr lang="en-US" altLang="zh-CN" sz="2800" smtClean="0">
+                <a:latin typeface="微软雅黑" panose="020B0503020204020204" pitchFamily="34" charset="-122"/>
+                <a:ea typeface="微软雅黑" panose="020B0503020204020204" pitchFamily="34" charset="-122"/>
+              </a:rPr>
+              <a:t>- </a:t>
+            </a:r>
+            <a:r>
+              <a:rPr lang="zh-CN" altLang="en-US" sz="2800" smtClean="0">
+                <a:latin typeface="微软雅黑" panose="020B0503020204020204" pitchFamily="34" charset="-122"/>
+                <a:ea typeface="微软雅黑" panose="020B0503020204020204" pitchFamily="34" charset="-122"/>
+              </a:rPr>
+              <a:t>问题缘起</a:t>
+            </a:r>
+            <a:endParaRPr lang="en-US" altLang="zh-CN" sz="2800" smtClean="0">
+              <a:latin typeface="微软雅黑" panose="020B0503020204020204" pitchFamily="34" charset="-122"/>
+              <a:ea typeface="微软雅黑" panose="020B0503020204020204" pitchFamily="34" charset="-122"/>
+            </a:endParaRPr>
+          </a:p>
+          <a:p>
+            <a:pPr>
+              <a:lnSpc>
+                <a:spcPct val="150000"/>
+              </a:lnSpc>
+            </a:pPr>
+            <a:r>
+              <a:rPr lang="en-US" altLang="zh-CN" sz="2800" smtClean="0">
+                <a:latin typeface="微软雅黑" panose="020B0503020204020204" pitchFamily="34" charset="-122"/>
+                <a:ea typeface="微软雅黑" panose="020B0503020204020204" pitchFamily="34" charset="-122"/>
+              </a:rPr>
+              <a:t>- </a:t>
+            </a:r>
+            <a:r>
+              <a:rPr lang="zh-CN" altLang="en-US" sz="2800" smtClean="0">
+                <a:latin typeface="微软雅黑" panose="020B0503020204020204" pitchFamily="34" charset="-122"/>
+                <a:ea typeface="微软雅黑" panose="020B0503020204020204" pitchFamily="34" charset="-122"/>
+              </a:rPr>
+              <a:t>分析问题</a:t>
+            </a:r>
+            <a:endParaRPr lang="en-US" altLang="zh-CN" sz="2800" smtClean="0">
+              <a:latin typeface="微软雅黑" panose="020B0503020204020204" pitchFamily="34" charset="-122"/>
+              <a:ea typeface="微软雅黑" panose="020B0503020204020204" pitchFamily="34" charset="-122"/>
+            </a:endParaRPr>
+          </a:p>
+          <a:p>
+            <a:pPr>
+              <a:lnSpc>
+                <a:spcPct val="150000"/>
+              </a:lnSpc>
+            </a:pPr>
+            <a:r>
+              <a:rPr lang="en-US" altLang="zh-CN" sz="2800" smtClean="0">
+                <a:latin typeface="微软雅黑" panose="020B0503020204020204" pitchFamily="34" charset="-122"/>
+                <a:ea typeface="微软雅黑" panose="020B0503020204020204" pitchFamily="34" charset="-122"/>
+              </a:rPr>
+              <a:t>- </a:t>
+            </a:r>
+            <a:r>
+              <a:rPr lang="zh-CN" altLang="en-US" sz="2800" smtClean="0">
+                <a:latin typeface="微软雅黑" panose="020B0503020204020204" pitchFamily="34" charset="-122"/>
+                <a:ea typeface="微软雅黑" panose="020B0503020204020204" pitchFamily="34" charset="-122"/>
+              </a:rPr>
+              <a:t>解决方案</a:t>
+            </a:r>
+            <a:endParaRPr lang="en-US" altLang="zh-CN" sz="2800" smtClean="0">
+              <a:latin typeface="微软雅黑" panose="020B0503020204020204" pitchFamily="34" charset="-122"/>
+              <a:ea typeface="微软雅黑" panose="020B0503020204020204" pitchFamily="34" charset="-122"/>
+            </a:endParaRPr>
+          </a:p>
+          <a:p>
+            <a:pPr>
+              <a:lnSpc>
+                <a:spcPct val="150000"/>
+              </a:lnSpc>
+            </a:pPr>
+            <a:r>
+              <a:rPr lang="en-US" altLang="zh-CN" sz="2800" smtClean="0">
+                <a:latin typeface="微软雅黑" panose="020B0503020204020204" pitchFamily="34" charset="-122"/>
+                <a:ea typeface="微软雅黑" panose="020B0503020204020204" pitchFamily="34" charset="-122"/>
+              </a:rPr>
+              <a:t>- </a:t>
+            </a:r>
+            <a:r>
+              <a:rPr lang="zh-CN" altLang="en-US" sz="2800" smtClean="0">
+                <a:latin typeface="微软雅黑" panose="020B0503020204020204" pitchFamily="34" charset="-122"/>
+                <a:ea typeface="微软雅黑" panose="020B0503020204020204" pitchFamily="34" charset="-122"/>
+              </a:rPr>
+              <a:t>实现过程</a:t>
+            </a:r>
+            <a:endParaRPr lang="zh-CN" altLang="en-US" sz="2800">
+              <a:latin typeface="微软雅黑" panose="020B0503020204020204" pitchFamily="34" charset="-122"/>
+              <a:ea typeface="微软雅黑" panose="020B0503020204020204" pitchFamily="34" charset="-122"/>
+            </a:endParaRPr>
+          </a:p>
+        </p:txBody>
+      </p:sp>
+    </p:spTree>
+    <p:extLst>
+      <p:ext uri="{BB962C8B-B14F-4D97-AF65-F5344CB8AC3E}">
+        <p14:creationId xmlns:p14="http://schemas.microsoft.com/office/powerpoint/2010/main" val="4284857375"/>
+      </p:ext>
+    </p:extLst>
+  </p:cSld>
+  <p:clrMapOvr>
+    <a:masterClrMapping/>
+  </p:clrMapOvr>
+  <p:timing>
+    <p:tnLst>
+      <p:par>
+        <p:cTn id="1" dur="indefinite" restart="never" nodeType="tmRoot"/>
+      </p:par>
+    </p:tnLst>
+  </p:timing>
+</p:sld>
+</file>
+
+<file path=ppt/slides/slide7.xml><?xml version="1.0" encoding="utf-8"?>
 <p:sld xmlns:a="http://schemas.openxmlformats.org/drawingml/2006/main" xmlns:r="http://schemas.openxmlformats.org/officeDocument/2006/relationships" xmlns:p="http://schemas.openxmlformats.org/presentationml/2006/main">
   <p:cSld>
     <p:spTree>
@@ -3917,6 +4713,87 @@
           </a:extLst>
         </p:spPr>
       </p:pic>
+      <p:sp>
+        <p:nvSpPr>
+          <p:cNvPr id="3" name="文本框 2"/>
+          <p:cNvSpPr txBox="1"/>
+          <p:nvPr/>
+        </p:nvSpPr>
+        <p:spPr>
+          <a:xfrm>
+            <a:off x="0" y="2393125"/>
+            <a:ext cx="12191999" cy="1477328"/>
+          </a:xfrm>
+          <a:prstGeom prst="rect">
+            <a:avLst/>
+          </a:prstGeom>
+          <a:solidFill>
+            <a:schemeClr val="bg1">
+              <a:alpha val="30000"/>
+            </a:schemeClr>
+          </a:solidFill>
+        </p:spPr>
+        <p:txBody>
+          <a:bodyPr wrap="square" rtlCol="0" anchor="ctr">
+            <a:spAutoFit/>
+          </a:bodyPr>
+          <a:lstStyle/>
+          <a:p>
+            <a:pPr algn="ctr">
+              <a:lnSpc>
+                <a:spcPct val="150000"/>
+              </a:lnSpc>
+            </a:pPr>
+            <a:r>
+              <a:rPr lang="zh-CN" altLang="en-US" sz="6000" b="1">
+                <a:solidFill>
+                  <a:srgbClr val="FFFF00"/>
+                </a:solidFill>
+                <a:latin typeface="微软雅黑" panose="020B0503020204020204" pitchFamily="34" charset="-122"/>
+                <a:ea typeface="微软雅黑" panose="020B0503020204020204" pitchFamily="34" charset="-122"/>
+              </a:rPr>
+              <a:t>案</a:t>
+            </a:r>
+            <a:r>
+              <a:rPr lang="zh-CN" altLang="en-US" sz="6000" b="1" smtClean="0">
+                <a:solidFill>
+                  <a:srgbClr val="FFFF00"/>
+                </a:solidFill>
+                <a:latin typeface="微软雅黑" panose="020B0503020204020204" pitchFamily="34" charset="-122"/>
+                <a:ea typeface="微软雅黑" panose="020B0503020204020204" pitchFamily="34" charset="-122"/>
+              </a:rPr>
+              <a:t>例三：</a:t>
+            </a:r>
+            <a:r>
+              <a:rPr lang="en-US" altLang="zh-CN" sz="6000" b="1" smtClean="0">
+                <a:solidFill>
+                  <a:srgbClr val="FFFF00"/>
+                </a:solidFill>
+                <a:latin typeface="微软雅黑" panose="020B0503020204020204" pitchFamily="34" charset="-122"/>
+                <a:ea typeface="微软雅黑" panose="020B0503020204020204" pitchFamily="34" charset="-122"/>
+              </a:rPr>
+              <a:t>913abc</a:t>
+            </a:r>
+            <a:r>
+              <a:rPr lang="zh-CN" altLang="en-US" sz="6000" b="1" smtClean="0">
+                <a:solidFill>
+                  <a:srgbClr val="FFFF00"/>
+                </a:solidFill>
+                <a:latin typeface="微软雅黑" panose="020B0503020204020204" pitchFamily="34" charset="-122"/>
+                <a:ea typeface="微软雅黑" panose="020B0503020204020204" pitchFamily="34" charset="-122"/>
+              </a:rPr>
+              <a:t> 网站</a:t>
+            </a:r>
+            <a:endParaRPr lang="en-US" altLang="zh-CN" sz="6000" b="1" smtClean="0">
+              <a:solidFill>
+                <a:srgbClr val="FFFF00"/>
+              </a:solidFill>
+              <a:latin typeface="微软雅黑" panose="020B0503020204020204" pitchFamily="34" charset="-122"/>
+              <a:ea typeface="微软雅黑" panose="020B0503020204020204" pitchFamily="34" charset="-122"/>
+            </a:endParaRPr>
+          </a:p>
+        </p:txBody>
+      </p:sp>
     </p:spTree>
     <p:extLst>
       <p:ext uri="{BB962C8B-B14F-4D97-AF65-F5344CB8AC3E}">
@@ -3927,6 +4804,458 @@
   <p:clrMapOvr>
     <a:masterClrMapping/>
   </p:clrMapOvr>
+  <p:timing>
+    <p:tnLst>
+      <p:par>
+        <p:cTn id="1" dur="indefinite" restart="never" nodeType="tmRoot"/>
+      </p:par>
+    </p:tnLst>
+  </p:timing>
+</p:sld>
+</file>
+
+<file path=ppt/slides/slide8.xml><?xml version="1.0" encoding="utf-8"?>
+<p:sld xmlns:a="http://schemas.openxmlformats.org/drawingml/2006/main" xmlns:r="http://schemas.openxmlformats.org/officeDocument/2006/relationships" xmlns:p="http://schemas.openxmlformats.org/presentationml/2006/main">
+  <p:cSld>
+    <p:spTree>
+      <p:nvGrpSpPr>
+        <p:cNvPr id="1" name=""/>
+        <p:cNvGrpSpPr/>
+        <p:nvPr/>
+      </p:nvGrpSpPr>
+      <p:grpSpPr>
+        <a:xfrm>
+          <a:off x="0" y="0"/>
+          <a:ext cx="0" cy="0"/>
+          <a:chOff x="0" y="0"/>
+          <a:chExt cx="0" cy="0"/>
+        </a:xfrm>
+      </p:grpSpPr>
+      <p:sp>
+        <p:nvSpPr>
+          <p:cNvPr id="5" name="矩形 4"/>
+          <p:cNvSpPr/>
+          <p:nvPr/>
+        </p:nvSpPr>
+        <p:spPr>
+          <a:xfrm>
+            <a:off x="0" y="0"/>
+            <a:ext cx="2905125" cy="6858000"/>
+          </a:xfrm>
+          <a:prstGeom prst="rect">
+            <a:avLst/>
+          </a:prstGeom>
+          <a:pattFill prst="pct75">
+            <a:fgClr>
+              <a:srgbClr val="8ABC1D"/>
+            </a:fgClr>
+            <a:bgClr>
+              <a:schemeClr val="bg1"/>
+            </a:bgClr>
+          </a:pattFill>
+          <a:ln>
+            <a:noFill/>
+          </a:ln>
+        </p:spPr>
+        <p:style>
+          <a:lnRef idx="2">
+            <a:schemeClr val="accent1">
+              <a:shade val="50000"/>
+            </a:schemeClr>
+          </a:lnRef>
+          <a:fillRef idx="1">
+            <a:schemeClr val="accent1"/>
+          </a:fillRef>
+          <a:effectRef idx="0">
+            <a:schemeClr val="accent1"/>
+          </a:effectRef>
+          <a:fontRef idx="minor">
+            <a:schemeClr val="lt1"/>
+          </a:fontRef>
+        </p:style>
+        <p:txBody>
+          <a:bodyPr rtlCol="0" anchor="ctr"/>
+          <a:lstStyle/>
+          <a:p>
+            <a:pPr algn="ctr"/>
+            <a:endParaRPr lang="zh-CN" altLang="en-US"/>
+          </a:p>
+        </p:txBody>
+      </p:sp>
+      <p:pic>
+        <p:nvPicPr>
+          <p:cNvPr id="6" name="图片 5"/>
+          <p:cNvPicPr>
+            <a:picLocks noChangeAspect="1"/>
+          </p:cNvPicPr>
+          <p:nvPr/>
+        </p:nvPicPr>
+        <p:blipFill>
+          <a:blip r:embed="rId2">
+            <a:extLst>
+              <a:ext uri="{28A0092B-C50C-407E-A947-70E740481C1C}">
+                <a14:useLocalDpi xmlns:a14="http://schemas.microsoft.com/office/drawing/2010/main" val="0"/>
+              </a:ext>
+            </a:extLst>
+          </a:blip>
+          <a:stretch>
+            <a:fillRect/>
+          </a:stretch>
+        </p:blipFill>
+        <p:spPr>
+          <a:xfrm>
+            <a:off x="478905" y="3688748"/>
+            <a:ext cx="1947313" cy="1762319"/>
+          </a:xfrm>
+          <a:prstGeom prst="rect">
+            <a:avLst/>
+          </a:prstGeom>
+        </p:spPr>
+      </p:pic>
+      <p:sp>
+        <p:nvSpPr>
+          <p:cNvPr id="7" name="文本框 6"/>
+          <p:cNvSpPr txBox="1"/>
+          <p:nvPr/>
+        </p:nvSpPr>
+        <p:spPr>
+          <a:xfrm>
+            <a:off x="4083504" y="798286"/>
+            <a:ext cx="5849257" cy="923330"/>
+          </a:xfrm>
+          <a:prstGeom prst="rect">
+            <a:avLst/>
+          </a:prstGeom>
+          <a:noFill/>
+        </p:spPr>
+        <p:txBody>
+          <a:bodyPr wrap="square" rtlCol="0">
+            <a:spAutoFit/>
+          </a:bodyPr>
+          <a:lstStyle/>
+          <a:p>
+            <a:pPr>
+              <a:lnSpc>
+                <a:spcPct val="150000"/>
+              </a:lnSpc>
+            </a:pPr>
+            <a:r>
+              <a:rPr lang="zh-CN" altLang="en-US" sz="3600" b="1" smtClean="0">
+                <a:latin typeface="微软雅黑" panose="020B0503020204020204" pitchFamily="34" charset="-122"/>
+                <a:ea typeface="微软雅黑" panose="020B0503020204020204" pitchFamily="34" charset="-122"/>
+              </a:rPr>
+              <a:t>案例三：</a:t>
+            </a:r>
+            <a:r>
+              <a:rPr lang="en-US" altLang="zh-CN" sz="3600" b="1" smtClean="0">
+                <a:latin typeface="微软雅黑" panose="020B0503020204020204" pitchFamily="34" charset="-122"/>
+                <a:ea typeface="微软雅黑" panose="020B0503020204020204" pitchFamily="34" charset="-122"/>
+              </a:rPr>
+              <a:t>913abc </a:t>
+            </a:r>
+            <a:r>
+              <a:rPr lang="zh-CN" altLang="en-US" sz="3600" b="1" smtClean="0">
+                <a:latin typeface="微软雅黑" panose="020B0503020204020204" pitchFamily="34" charset="-122"/>
+                <a:ea typeface="微软雅黑" panose="020B0503020204020204" pitchFamily="34" charset="-122"/>
+              </a:rPr>
+              <a:t>网站</a:t>
+            </a:r>
+            <a:endParaRPr lang="zh-CN" altLang="en-US" sz="3600" b="1">
+              <a:latin typeface="微软雅黑" panose="020B0503020204020204" pitchFamily="34" charset="-122"/>
+              <a:ea typeface="微软雅黑" panose="020B0503020204020204" pitchFamily="34" charset="-122"/>
+            </a:endParaRPr>
+          </a:p>
+        </p:txBody>
+      </p:sp>
+      <p:sp>
+        <p:nvSpPr>
+          <p:cNvPr id="8" name="文本框 7"/>
+          <p:cNvSpPr txBox="1"/>
+          <p:nvPr/>
+        </p:nvSpPr>
+        <p:spPr>
+          <a:xfrm>
+            <a:off x="4083504" y="2501852"/>
+            <a:ext cx="5849257" cy="2677656"/>
+          </a:xfrm>
+          <a:prstGeom prst="rect">
+            <a:avLst/>
+          </a:prstGeom>
+          <a:noFill/>
+        </p:spPr>
+        <p:txBody>
+          <a:bodyPr wrap="square" rtlCol="0">
+            <a:spAutoFit/>
+          </a:bodyPr>
+          <a:lstStyle/>
+          <a:p>
+            <a:pPr>
+              <a:lnSpc>
+                <a:spcPct val="150000"/>
+              </a:lnSpc>
+            </a:pPr>
+            <a:r>
+              <a:rPr lang="en-US" altLang="zh-CN" sz="2800" smtClean="0">
+                <a:latin typeface="微软雅黑" panose="020B0503020204020204" pitchFamily="34" charset="-122"/>
+                <a:ea typeface="微软雅黑" panose="020B0503020204020204" pitchFamily="34" charset="-122"/>
+              </a:rPr>
+              <a:t>- </a:t>
+            </a:r>
+            <a:r>
+              <a:rPr lang="zh-CN" altLang="en-US" sz="2800" smtClean="0">
+                <a:latin typeface="微软雅黑" panose="020B0503020204020204" pitchFamily="34" charset="-122"/>
+                <a:ea typeface="微软雅黑" panose="020B0503020204020204" pitchFamily="34" charset="-122"/>
+              </a:rPr>
+              <a:t>问题缘起</a:t>
+            </a:r>
+            <a:endParaRPr lang="en-US" altLang="zh-CN" sz="2800" smtClean="0">
+              <a:latin typeface="微软雅黑" panose="020B0503020204020204" pitchFamily="34" charset="-122"/>
+              <a:ea typeface="微软雅黑" panose="020B0503020204020204" pitchFamily="34" charset="-122"/>
+            </a:endParaRPr>
+          </a:p>
+          <a:p>
+            <a:pPr>
+              <a:lnSpc>
+                <a:spcPct val="150000"/>
+              </a:lnSpc>
+            </a:pPr>
+            <a:r>
+              <a:rPr lang="en-US" altLang="zh-CN" sz="2800" smtClean="0">
+                <a:latin typeface="微软雅黑" panose="020B0503020204020204" pitchFamily="34" charset="-122"/>
+                <a:ea typeface="微软雅黑" panose="020B0503020204020204" pitchFamily="34" charset="-122"/>
+              </a:rPr>
+              <a:t>- </a:t>
+            </a:r>
+            <a:r>
+              <a:rPr lang="zh-CN" altLang="en-US" sz="2800" smtClean="0">
+                <a:latin typeface="微软雅黑" panose="020B0503020204020204" pitchFamily="34" charset="-122"/>
+                <a:ea typeface="微软雅黑" panose="020B0503020204020204" pitchFamily="34" charset="-122"/>
+              </a:rPr>
+              <a:t>分析问题</a:t>
+            </a:r>
+            <a:endParaRPr lang="en-US" altLang="zh-CN" sz="2800" smtClean="0">
+              <a:latin typeface="微软雅黑" panose="020B0503020204020204" pitchFamily="34" charset="-122"/>
+              <a:ea typeface="微软雅黑" panose="020B0503020204020204" pitchFamily="34" charset="-122"/>
+            </a:endParaRPr>
+          </a:p>
+          <a:p>
+            <a:pPr>
+              <a:lnSpc>
+                <a:spcPct val="150000"/>
+              </a:lnSpc>
+            </a:pPr>
+            <a:r>
+              <a:rPr lang="en-US" altLang="zh-CN" sz="2800" smtClean="0">
+                <a:latin typeface="微软雅黑" panose="020B0503020204020204" pitchFamily="34" charset="-122"/>
+                <a:ea typeface="微软雅黑" panose="020B0503020204020204" pitchFamily="34" charset="-122"/>
+              </a:rPr>
+              <a:t>- </a:t>
+            </a:r>
+            <a:r>
+              <a:rPr lang="zh-CN" altLang="en-US" sz="2800" smtClean="0">
+                <a:latin typeface="微软雅黑" panose="020B0503020204020204" pitchFamily="34" charset="-122"/>
+                <a:ea typeface="微软雅黑" panose="020B0503020204020204" pitchFamily="34" charset="-122"/>
+              </a:rPr>
+              <a:t>解决方案</a:t>
+            </a:r>
+            <a:endParaRPr lang="en-US" altLang="zh-CN" sz="2800" smtClean="0">
+              <a:latin typeface="微软雅黑" panose="020B0503020204020204" pitchFamily="34" charset="-122"/>
+              <a:ea typeface="微软雅黑" panose="020B0503020204020204" pitchFamily="34" charset="-122"/>
+            </a:endParaRPr>
+          </a:p>
+          <a:p>
+            <a:pPr>
+              <a:lnSpc>
+                <a:spcPct val="150000"/>
+              </a:lnSpc>
+            </a:pPr>
+            <a:r>
+              <a:rPr lang="en-US" altLang="zh-CN" sz="2800" smtClean="0">
+                <a:latin typeface="微软雅黑" panose="020B0503020204020204" pitchFamily="34" charset="-122"/>
+                <a:ea typeface="微软雅黑" panose="020B0503020204020204" pitchFamily="34" charset="-122"/>
+              </a:rPr>
+              <a:t>- </a:t>
+            </a:r>
+            <a:r>
+              <a:rPr lang="zh-CN" altLang="en-US" sz="2800" smtClean="0">
+                <a:latin typeface="微软雅黑" panose="020B0503020204020204" pitchFamily="34" charset="-122"/>
+                <a:ea typeface="微软雅黑" panose="020B0503020204020204" pitchFamily="34" charset="-122"/>
+              </a:rPr>
+              <a:t>实现过程</a:t>
+            </a:r>
+            <a:endParaRPr lang="zh-CN" altLang="en-US" sz="2800">
+              <a:latin typeface="微软雅黑" panose="020B0503020204020204" pitchFamily="34" charset="-122"/>
+              <a:ea typeface="微软雅黑" panose="020B0503020204020204" pitchFamily="34" charset="-122"/>
+            </a:endParaRPr>
+          </a:p>
+        </p:txBody>
+      </p:sp>
+    </p:spTree>
+    <p:extLst>
+      <p:ext uri="{BB962C8B-B14F-4D97-AF65-F5344CB8AC3E}">
+        <p14:creationId xmlns:p14="http://schemas.microsoft.com/office/powerpoint/2010/main" val="2925573468"/>
+      </p:ext>
+    </p:extLst>
+  </p:cSld>
+  <p:clrMapOvr>
+    <a:masterClrMapping/>
+  </p:clrMapOvr>
+  <p:timing>
+    <p:tnLst>
+      <p:par>
+        <p:cTn id="1" dur="indefinite" restart="never" nodeType="tmRoot"/>
+      </p:par>
+    </p:tnLst>
+  </p:timing>
+</p:sld>
+</file>
+
+<file path=ppt/slides/slide9.xml><?xml version="1.0" encoding="utf-8"?>
+<p:sld xmlns:a="http://schemas.openxmlformats.org/drawingml/2006/main" xmlns:r="http://schemas.openxmlformats.org/officeDocument/2006/relationships" xmlns:p="http://schemas.openxmlformats.org/presentationml/2006/main">
+  <p:cSld>
+    <p:spTree>
+      <p:nvGrpSpPr>
+        <p:cNvPr id="1" name=""/>
+        <p:cNvGrpSpPr/>
+        <p:nvPr/>
+      </p:nvGrpSpPr>
+      <p:grpSpPr>
+        <a:xfrm>
+          <a:off x="0" y="0"/>
+          <a:ext cx="0" cy="0"/>
+          <a:chOff x="0" y="0"/>
+          <a:chExt cx="0" cy="0"/>
+        </a:xfrm>
+      </p:grpSpPr>
+      <p:sp>
+        <p:nvSpPr>
+          <p:cNvPr id="5" name="矩形 4"/>
+          <p:cNvSpPr/>
+          <p:nvPr/>
+        </p:nvSpPr>
+        <p:spPr>
+          <a:xfrm>
+            <a:off x="0" y="0"/>
+            <a:ext cx="12191999" cy="6858000"/>
+          </a:xfrm>
+          <a:prstGeom prst="rect">
+            <a:avLst/>
+          </a:prstGeom>
+          <a:pattFill prst="pct75">
+            <a:fgClr>
+              <a:srgbClr val="8ABC1D"/>
+            </a:fgClr>
+            <a:bgClr>
+              <a:schemeClr val="bg1"/>
+            </a:bgClr>
+          </a:pattFill>
+          <a:ln>
+            <a:noFill/>
+          </a:ln>
+        </p:spPr>
+        <p:style>
+          <a:lnRef idx="2">
+            <a:schemeClr val="accent1">
+              <a:shade val="50000"/>
+            </a:schemeClr>
+          </a:lnRef>
+          <a:fillRef idx="1">
+            <a:schemeClr val="accent1"/>
+          </a:fillRef>
+          <a:effectRef idx="0">
+            <a:schemeClr val="accent1"/>
+          </a:effectRef>
+          <a:fontRef idx="minor">
+            <a:schemeClr val="lt1"/>
+          </a:fontRef>
+        </p:style>
+        <p:txBody>
+          <a:bodyPr rtlCol="0" anchor="ctr"/>
+          <a:lstStyle/>
+          <a:p>
+            <a:pPr algn="ctr"/>
+            <a:endParaRPr lang="zh-CN" altLang="en-US"/>
+          </a:p>
+        </p:txBody>
+      </p:sp>
+      <p:sp>
+        <p:nvSpPr>
+          <p:cNvPr id="4" name="文本框 3"/>
+          <p:cNvSpPr txBox="1"/>
+          <p:nvPr/>
+        </p:nvSpPr>
+        <p:spPr>
+          <a:xfrm>
+            <a:off x="0" y="2474686"/>
+            <a:ext cx="12191999" cy="1314206"/>
+          </a:xfrm>
+          <a:prstGeom prst="rect">
+            <a:avLst/>
+          </a:prstGeom>
+          <a:solidFill>
+            <a:schemeClr val="bg1">
+              <a:alpha val="30000"/>
+            </a:schemeClr>
+          </a:solidFill>
+        </p:spPr>
+        <p:txBody>
+          <a:bodyPr wrap="square" rtlCol="0" anchor="ctr">
+            <a:spAutoFit/>
+          </a:bodyPr>
+          <a:lstStyle/>
+          <a:p>
+            <a:pPr algn="ctr">
+              <a:lnSpc>
+                <a:spcPct val="150000"/>
+              </a:lnSpc>
+            </a:pPr>
+            <a:r>
+              <a:rPr lang="zh-CN" altLang="en-US" sz="6000" b="1" smtClean="0">
+                <a:solidFill>
+                  <a:srgbClr val="0070C0"/>
+                </a:solidFill>
+                <a:latin typeface="微软雅黑" panose="020B0503020204020204" pitchFamily="34" charset="-122"/>
+                <a:ea typeface="微软雅黑" panose="020B0503020204020204" pitchFamily="34" charset="-122"/>
+              </a:rPr>
+              <a:t>未完待续</a:t>
+            </a:r>
+            <a:r>
+              <a:rPr lang="en-US" altLang="zh-CN" sz="6000" b="1" smtClean="0">
+                <a:solidFill>
+                  <a:srgbClr val="0070C0"/>
+                </a:solidFill>
+                <a:latin typeface="微软雅黑" panose="020B0503020204020204" pitchFamily="34" charset="-122"/>
+                <a:ea typeface="微软雅黑" panose="020B0503020204020204" pitchFamily="34" charset="-122"/>
+              </a:rPr>
+              <a:t>……</a:t>
+            </a:r>
+            <a:endParaRPr lang="en-US" altLang="zh-CN" sz="6000" b="1" smtClean="0">
+              <a:solidFill>
+                <a:srgbClr val="0070C0"/>
+              </a:solidFill>
+              <a:latin typeface="微软雅黑" panose="020B0503020204020204" pitchFamily="34" charset="-122"/>
+              <a:ea typeface="微软雅黑" panose="020B0503020204020204" pitchFamily="34" charset="-122"/>
+            </a:endParaRPr>
+          </a:p>
+        </p:txBody>
+      </p:sp>
+    </p:spTree>
+    <p:extLst>
+      <p:ext uri="{BB962C8B-B14F-4D97-AF65-F5344CB8AC3E}">
+        <p14:creationId xmlns:p14="http://schemas.microsoft.com/office/powerpoint/2010/main" val="2337173804"/>
+      </p:ext>
+    </p:extLst>
+  </p:cSld>
+  <p:clrMapOvr>
+    <a:masterClrMapping/>
+  </p:clrMapOvr>
+  <p:timing>
+    <p:tnLst>
+      <p:par>
+        <p:cTn id="1" dur="indefinite" restart="never" nodeType="tmRoot"/>
+      </p:par>
+    </p:tnLst>
+  </p:timing>
 </p:sld>
 </file>
 
